--- a/new-retailing chain store management and sales.pptx
+++ b/new-retailing chain store management and sales.pptx
@@ -128,6 +128,11 @@
       </a:defRPr>
     </a:lvl9pPr>
   </p:defaultTextStyle>
+  <p:extLst>
+    <p:ext uri="{EFAFB233-063F-42B5-8137-9DF3F51BA10A}">
+      <p15:sldGuideLst xmlns:p15="http://schemas.microsoft.com/office/powerpoint/2012/main"/>
+    </p:ext>
+  </p:extLst>
 </p:presentation>
 </file>
 
@@ -213,7 +218,7 @@
           <a:p>
             <a:fld id="{C3BB86A1-3B82-415E-BFBB-ABC9A9648583}" type="datetimeFigureOut">
               <a:rPr lang="zh-CN" altLang="en-US" smtClean="0"/>
-              <a:t>2019/5/20</a:t>
+              <a:t>2019/5/21</a:t>
             </a:fld>
             <a:endParaRPr lang="zh-CN" altLang="en-US"/>
           </a:p>
@@ -694,7 +699,7 @@
             <a:fld id="{B61BEF0D-F0BB-DE4B-95CE-6DB70DBA9567}" type="datetimeFigureOut">
               <a:rPr lang="en-US" dirty="0"/>
               <a:pPr/>
-              <a:t>5/20/2019</a:t>
+              <a:t>5/21/2019</a:t>
             </a:fld>
             <a:endParaRPr lang="en-US" dirty="0"/>
           </a:p>
@@ -982,7 +987,7 @@
             <a:fld id="{B61BEF0D-F0BB-DE4B-95CE-6DB70DBA9567}" type="datetimeFigureOut">
               <a:rPr lang="en-US" dirty="0"/>
               <a:pPr/>
-              <a:t>5/20/2019</a:t>
+              <a:t>5/21/2019</a:t>
             </a:fld>
             <a:endParaRPr lang="en-US" dirty="0"/>
           </a:p>
@@ -1238,7 +1243,7 @@
             <a:fld id="{B61BEF0D-F0BB-DE4B-95CE-6DB70DBA9567}" type="datetimeFigureOut">
               <a:rPr lang="en-US" dirty="0"/>
               <a:pPr/>
-              <a:t>5/20/2019</a:t>
+              <a:t>5/21/2019</a:t>
             </a:fld>
             <a:endParaRPr lang="en-US" dirty="0"/>
           </a:p>
@@ -1704,7 +1709,7 @@
             <a:fld id="{B61BEF0D-F0BB-DE4B-95CE-6DB70DBA9567}" type="datetimeFigureOut">
               <a:rPr lang="en-US" dirty="0"/>
               <a:pPr/>
-              <a:t>5/20/2019</a:t>
+              <a:t>5/21/2019</a:t>
             </a:fld>
             <a:endParaRPr lang="en-US" dirty="0"/>
           </a:p>
@@ -1881,7 +1886,7 @@
             <a:fld id="{B61BEF0D-F0BB-DE4B-95CE-6DB70DBA9567}" type="datetimeFigureOut">
               <a:rPr lang="en-US" dirty="0"/>
               <a:pPr/>
-              <a:t>5/20/2019</a:t>
+              <a:t>5/21/2019</a:t>
             </a:fld>
             <a:endParaRPr lang="en-US" dirty="0"/>
           </a:p>
@@ -2454,7 +2459,7 @@
             <a:fld id="{B61BEF0D-F0BB-DE4B-95CE-6DB70DBA9567}" type="datetimeFigureOut">
               <a:rPr lang="en-US" dirty="0"/>
               <a:pPr/>
-              <a:t>5/20/2019</a:t>
+              <a:t>5/21/2019</a:t>
             </a:fld>
             <a:endParaRPr lang="en-US" dirty="0"/>
           </a:p>
@@ -2783,7 +2788,7 @@
             <a:fld id="{B61BEF0D-F0BB-DE4B-95CE-6DB70DBA9567}" type="datetimeFigureOut">
               <a:rPr lang="en-US" dirty="0"/>
               <a:pPr/>
-              <a:t>5/20/2019</a:t>
+              <a:t>5/21/2019</a:t>
             </a:fld>
             <a:endParaRPr lang="en-US" dirty="0"/>
           </a:p>
@@ -2955,7 +2960,7 @@
             <a:fld id="{B61BEF0D-F0BB-DE4B-95CE-6DB70DBA9567}" type="datetimeFigureOut">
               <a:rPr lang="en-US" dirty="0"/>
               <a:pPr/>
-              <a:t>5/20/2019</a:t>
+              <a:t>5/21/2019</a:t>
             </a:fld>
             <a:endParaRPr lang="en-US" dirty="0"/>
           </a:p>
@@ -3132,7 +3137,7 @@
             <a:fld id="{B61BEF0D-F0BB-DE4B-95CE-6DB70DBA9567}" type="datetimeFigureOut">
               <a:rPr lang="en-US" dirty="0"/>
               <a:pPr/>
-              <a:t>5/20/2019</a:t>
+              <a:t>5/21/2019</a:t>
             </a:fld>
             <a:endParaRPr lang="en-US" dirty="0"/>
           </a:p>
@@ -3299,7 +3304,7 @@
             <a:fld id="{B61BEF0D-F0BB-DE4B-95CE-6DB70DBA9567}" type="datetimeFigureOut">
               <a:rPr lang="en-US" dirty="0"/>
               <a:pPr/>
-              <a:t>5/20/2019</a:t>
+              <a:t>5/21/2019</a:t>
             </a:fld>
             <a:endParaRPr lang="en-US" dirty="0"/>
           </a:p>
@@ -3553,7 +3558,7 @@
             <a:fld id="{B61BEF0D-F0BB-DE4B-95CE-6DB70DBA9567}" type="datetimeFigureOut">
               <a:rPr lang="en-US" dirty="0"/>
               <a:pPr/>
-              <a:t>5/20/2019</a:t>
+              <a:t>5/21/2019</a:t>
             </a:fld>
             <a:endParaRPr lang="en-US" dirty="0"/>
           </a:p>
@@ -3842,7 +3847,7 @@
             <a:fld id="{B61BEF0D-F0BB-DE4B-95CE-6DB70DBA9567}" type="datetimeFigureOut">
               <a:rPr lang="en-US" dirty="0"/>
               <a:pPr/>
-              <a:t>5/20/2019</a:t>
+              <a:t>5/21/2019</a:t>
             </a:fld>
             <a:endParaRPr lang="en-US" dirty="0"/>
           </a:p>
@@ -4269,7 +4274,7 @@
             <a:fld id="{B61BEF0D-F0BB-DE4B-95CE-6DB70DBA9567}" type="datetimeFigureOut">
               <a:rPr lang="en-US" dirty="0"/>
               <a:pPr/>
-              <a:t>5/20/2019</a:t>
+              <a:t>5/21/2019</a:t>
             </a:fld>
             <a:endParaRPr lang="en-US" dirty="0"/>
           </a:p>
@@ -4384,7 +4389,7 @@
             <a:fld id="{B61BEF0D-F0BB-DE4B-95CE-6DB70DBA9567}" type="datetimeFigureOut">
               <a:rPr lang="en-US" dirty="0"/>
               <a:pPr/>
-              <a:t>5/20/2019</a:t>
+              <a:t>5/21/2019</a:t>
             </a:fld>
             <a:endParaRPr lang="en-US" dirty="0"/>
           </a:p>
@@ -4476,7 +4481,7 @@
             <a:fld id="{B61BEF0D-F0BB-DE4B-95CE-6DB70DBA9567}" type="datetimeFigureOut">
               <a:rPr lang="en-US" dirty="0"/>
               <a:pPr/>
-              <a:t>5/20/2019</a:t>
+              <a:t>5/21/2019</a:t>
             </a:fld>
             <a:endParaRPr lang="en-US" dirty="0"/>
           </a:p>
@@ -4756,7 +4761,7 @@
             <a:fld id="{B61BEF0D-F0BB-DE4B-95CE-6DB70DBA9567}" type="datetimeFigureOut">
               <a:rPr lang="en-US" dirty="0"/>
               <a:pPr/>
-              <a:t>5/20/2019</a:t>
+              <a:t>5/21/2019</a:t>
             </a:fld>
             <a:endParaRPr lang="en-US" dirty="0"/>
           </a:p>
@@ -5044,7 +5049,7 @@
             <a:fld id="{B61BEF0D-F0BB-DE4B-95CE-6DB70DBA9567}" type="datetimeFigureOut">
               <a:rPr lang="en-US" dirty="0"/>
               <a:pPr/>
-              <a:t>5/20/2019</a:t>
+              <a:t>5/21/2019</a:t>
             </a:fld>
             <a:endParaRPr lang="en-US" dirty="0"/>
           </a:p>
@@ -5272,7 +5277,7 @@
             <a:fld id="{B61BEF0D-F0BB-DE4B-95CE-6DB70DBA9567}" type="datetimeFigureOut">
               <a:rPr lang="en-US" dirty="0"/>
               <a:pPr/>
-              <a:t>5/20/2019</a:t>
+              <a:t>5/21/2019</a:t>
             </a:fld>
             <a:endParaRPr lang="en-US" dirty="0"/>
           </a:p>
@@ -6143,10 +6148,10 @@
       </p:grpSpPr>
       <p:pic>
         <p:nvPicPr>
-          <p:cNvPr id="3" name="图片 2">
+          <p:cNvPr id="4" name="图片 3">
             <a:extLst>
               <a:ext uri="{FF2B5EF4-FFF2-40B4-BE49-F238E27FC236}">
-                <a16:creationId xmlns:a16="http://schemas.microsoft.com/office/drawing/2014/main" id="{3FEFBCDD-24AD-4924-9806-E1DC179F2884}"/>
+                <a16:creationId xmlns:a16="http://schemas.microsoft.com/office/drawing/2014/main" id="{2E4D7677-1B60-467E-9F5A-47484819AEAA}"/>
               </a:ext>
             </a:extLst>
           </p:cNvPr>
@@ -6163,14 +6168,148 @@
         </p:blipFill>
         <p:spPr>
           <a:xfrm>
-            <a:off x="3844032" y="902925"/>
-            <a:ext cx="2867488" cy="4791559"/>
+            <a:off x="2455366" y="1233625"/>
+            <a:ext cx="7511257" cy="4989621"/>
           </a:xfrm>
           <a:prstGeom prst="rect">
             <a:avLst/>
           </a:prstGeom>
         </p:spPr>
       </p:pic>
+      <p:sp>
+        <p:nvSpPr>
+          <p:cNvPr id="5" name="标题 1">
+            <a:extLst>
+              <a:ext uri="{FF2B5EF4-FFF2-40B4-BE49-F238E27FC236}">
+                <a16:creationId xmlns:a16="http://schemas.microsoft.com/office/drawing/2014/main" id="{2CB7D0DF-D469-47B3-B022-0CE8F4A08E1D}"/>
+              </a:ext>
+            </a:extLst>
+          </p:cNvPr>
+          <p:cNvSpPr txBox="1">
+            <a:spLocks/>
+          </p:cNvSpPr>
+          <p:nvPr/>
+        </p:nvSpPr>
+        <p:spPr>
+          <a:xfrm>
+            <a:off x="653141" y="281126"/>
+            <a:ext cx="9905998" cy="1905000"/>
+          </a:xfrm>
+          <a:prstGeom prst="rect">
+            <a:avLst/>
+          </a:prstGeom>
+        </p:spPr>
+        <p:txBody>
+          <a:bodyPr/>
+          <a:lstStyle>
+            <a:lvl1pPr algn="l" defTabSz="457200" rtl="0" eaLnBrk="1" latinLnBrk="0" hangingPunct="1">
+              <a:spcBef>
+                <a:spcPct val="0"/>
+              </a:spcBef>
+              <a:buNone/>
+              <a:defRPr sz="3200" kern="1200" cap="all">
+                <a:ln w="3175" cmpd="sng">
+                  <a:noFill/>
+                </a:ln>
+                <a:gradFill flip="none" rotWithShape="1">
+                  <a:gsLst>
+                    <a:gs pos="0">
+                      <a:schemeClr val="tx1"/>
+                    </a:gs>
+                    <a:gs pos="100000">
+                      <a:schemeClr val="tx1">
+                        <a:lumMod val="65000"/>
+                      </a:schemeClr>
+                    </a:gs>
+                  </a:gsLst>
+                  <a:lin ang="5580000" scaled="0"/>
+                  <a:tileRect/>
+                </a:gradFill>
+                <a:effectLst>
+                  <a:glow rad="38100">
+                    <a:schemeClr val="bg1">
+                      <a:lumMod val="65000"/>
+                      <a:lumOff val="35000"/>
+                      <a:alpha val="40000"/>
+                    </a:schemeClr>
+                  </a:glow>
+                  <a:outerShdw blurRad="28575" dist="38100" dir="14040000" algn="tl" rotWithShape="0">
+                    <a:srgbClr val="000000">
+                      <a:alpha val="25000"/>
+                    </a:srgbClr>
+                  </a:outerShdw>
+                </a:effectLst>
+                <a:latin typeface="+mj-lt"/>
+                <a:ea typeface="+mj-ea"/>
+                <a:cs typeface="+mj-cs"/>
+              </a:defRPr>
+            </a:lvl1pPr>
+            <a:lvl2pPr eaLnBrk="1" hangingPunct="1">
+              <a:defRPr>
+                <a:solidFill>
+                  <a:schemeClr val="tx2"/>
+                </a:solidFill>
+              </a:defRPr>
+            </a:lvl2pPr>
+            <a:lvl3pPr eaLnBrk="1" hangingPunct="1">
+              <a:defRPr>
+                <a:solidFill>
+                  <a:schemeClr val="tx2"/>
+                </a:solidFill>
+              </a:defRPr>
+            </a:lvl3pPr>
+            <a:lvl4pPr eaLnBrk="1" hangingPunct="1">
+              <a:defRPr>
+                <a:solidFill>
+                  <a:schemeClr val="tx2"/>
+                </a:solidFill>
+              </a:defRPr>
+            </a:lvl4pPr>
+            <a:lvl5pPr eaLnBrk="1" hangingPunct="1">
+              <a:defRPr>
+                <a:solidFill>
+                  <a:schemeClr val="tx2"/>
+                </a:solidFill>
+              </a:defRPr>
+            </a:lvl5pPr>
+            <a:lvl6pPr eaLnBrk="1" hangingPunct="1">
+              <a:defRPr>
+                <a:solidFill>
+                  <a:schemeClr val="tx2"/>
+                </a:solidFill>
+              </a:defRPr>
+            </a:lvl6pPr>
+            <a:lvl7pPr eaLnBrk="1" hangingPunct="1">
+              <a:defRPr>
+                <a:solidFill>
+                  <a:schemeClr val="tx2"/>
+                </a:solidFill>
+              </a:defRPr>
+            </a:lvl7pPr>
+            <a:lvl8pPr eaLnBrk="1" hangingPunct="1">
+              <a:defRPr>
+                <a:solidFill>
+                  <a:schemeClr val="tx2"/>
+                </a:solidFill>
+              </a:defRPr>
+            </a:lvl8pPr>
+            <a:lvl9pPr eaLnBrk="1" hangingPunct="1">
+              <a:defRPr>
+                <a:solidFill>
+                  <a:schemeClr val="tx2"/>
+                </a:solidFill>
+              </a:defRPr>
+            </a:lvl9pPr>
+          </a:lstStyle>
+          <a:p>
+            <a:r>
+              <a:rPr lang="en-US" altLang="zh-CN" dirty="0"/>
+              <a:t>Warehouse &amp; its staff</a:t>
+            </a:r>
+            <a:endParaRPr lang="zh-CN" altLang="en-US" dirty="0"/>
+          </a:p>
+        </p:txBody>
+      </p:sp>
     </p:spTree>
     <p:extLst>
       <p:ext uri="{BB962C8B-B14F-4D97-AF65-F5344CB8AC3E}">
@@ -6203,10 +6342,10 @@
       </p:grpSpPr>
       <p:pic>
         <p:nvPicPr>
-          <p:cNvPr id="3" name="图片 2">
+          <p:cNvPr id="4" name="图片 3">
             <a:extLst>
               <a:ext uri="{FF2B5EF4-FFF2-40B4-BE49-F238E27FC236}">
-                <a16:creationId xmlns:a16="http://schemas.microsoft.com/office/drawing/2014/main" id="{F9A4DB01-D703-42E4-9377-92E9E145B663}"/>
+                <a16:creationId xmlns:a16="http://schemas.microsoft.com/office/drawing/2014/main" id="{2CB21ED1-5DC0-4942-93C5-DC6B6A1FF0EE}"/>
               </a:ext>
             </a:extLst>
           </p:cNvPr>
@@ -6223,74 +6362,148 @@
         </p:blipFill>
         <p:spPr>
           <a:xfrm>
-            <a:off x="1526959" y="2198491"/>
-            <a:ext cx="2811380" cy="2970729"/>
+            <a:off x="1975707" y="1221575"/>
+            <a:ext cx="8453652" cy="5373639"/>
           </a:xfrm>
           <a:prstGeom prst="rect">
             <a:avLst/>
           </a:prstGeom>
         </p:spPr>
       </p:pic>
-      <p:pic>
-        <p:nvPicPr>
-          <p:cNvPr id="5" name="图片 4">
+      <p:sp>
+        <p:nvSpPr>
+          <p:cNvPr id="7" name="标题 1">
             <a:extLst>
               <a:ext uri="{FF2B5EF4-FFF2-40B4-BE49-F238E27FC236}">
-                <a16:creationId xmlns:a16="http://schemas.microsoft.com/office/drawing/2014/main" id="{76EF73BF-8296-4B1B-AA19-71B34D0B43CC}"/>
+                <a16:creationId xmlns:a16="http://schemas.microsoft.com/office/drawing/2014/main" id="{7ED95047-AC68-4E33-AC20-4761C4CA6623}"/>
               </a:ext>
             </a:extLst>
           </p:cNvPr>
-          <p:cNvPicPr>
-            <a:picLocks noChangeAspect="1"/>
-          </p:cNvPicPr>
+          <p:cNvSpPr txBox="1">
+            <a:spLocks/>
+          </p:cNvSpPr>
           <p:nvPr/>
-        </p:nvPicPr>
-        <p:blipFill>
-          <a:blip r:embed="rId3"/>
-          <a:stretch>
-            <a:fillRect/>
-          </a:stretch>
-        </p:blipFill>
+        </p:nvSpPr>
         <p:spPr>
           <a:xfrm>
-            <a:off x="5583464" y="330498"/>
-            <a:ext cx="2818359" cy="2555630"/>
+            <a:off x="599875" y="352147"/>
+            <a:ext cx="9905998" cy="1905000"/>
           </a:xfrm>
           <a:prstGeom prst="rect">
             <a:avLst/>
           </a:prstGeom>
         </p:spPr>
-      </p:pic>
-      <p:pic>
-        <p:nvPicPr>
-          <p:cNvPr id="9" name="图片 8">
-            <a:extLst>
-              <a:ext uri="{FF2B5EF4-FFF2-40B4-BE49-F238E27FC236}">
-                <a16:creationId xmlns:a16="http://schemas.microsoft.com/office/drawing/2014/main" id="{F292A041-9B93-4D7C-8A27-CB828F08837B}"/>
-              </a:ext>
-            </a:extLst>
-          </p:cNvPr>
-          <p:cNvPicPr>
-            <a:picLocks noChangeAspect="1"/>
-          </p:cNvPicPr>
-          <p:nvPr/>
-        </p:nvPicPr>
-        <p:blipFill>
-          <a:blip r:embed="rId4"/>
-          <a:stretch>
-            <a:fillRect/>
-          </a:stretch>
-        </p:blipFill>
-        <p:spPr>
-          <a:xfrm>
-            <a:off x="6320901" y="3259810"/>
-            <a:ext cx="2582918" cy="3267692"/>
-          </a:xfrm>
-          <a:prstGeom prst="rect">
-            <a:avLst/>
-          </a:prstGeom>
-        </p:spPr>
-      </p:pic>
+        <p:txBody>
+          <a:bodyPr/>
+          <a:lstStyle>
+            <a:lvl1pPr algn="l" defTabSz="457200" rtl="0" eaLnBrk="1" latinLnBrk="0" hangingPunct="1">
+              <a:spcBef>
+                <a:spcPct val="0"/>
+              </a:spcBef>
+              <a:buNone/>
+              <a:defRPr sz="3200" kern="1200" cap="all">
+                <a:ln w="3175" cmpd="sng">
+                  <a:noFill/>
+                </a:ln>
+                <a:gradFill flip="none" rotWithShape="1">
+                  <a:gsLst>
+                    <a:gs pos="0">
+                      <a:schemeClr val="tx1"/>
+                    </a:gs>
+                    <a:gs pos="100000">
+                      <a:schemeClr val="tx1">
+                        <a:lumMod val="65000"/>
+                      </a:schemeClr>
+                    </a:gs>
+                  </a:gsLst>
+                  <a:lin ang="5580000" scaled="0"/>
+                  <a:tileRect/>
+                </a:gradFill>
+                <a:effectLst>
+                  <a:glow rad="38100">
+                    <a:schemeClr val="bg1">
+                      <a:lumMod val="65000"/>
+                      <a:lumOff val="35000"/>
+                      <a:alpha val="40000"/>
+                    </a:schemeClr>
+                  </a:glow>
+                  <a:outerShdw blurRad="28575" dist="38100" dir="14040000" algn="tl" rotWithShape="0">
+                    <a:srgbClr val="000000">
+                      <a:alpha val="25000"/>
+                    </a:srgbClr>
+                  </a:outerShdw>
+                </a:effectLst>
+                <a:latin typeface="+mj-lt"/>
+                <a:ea typeface="+mj-ea"/>
+                <a:cs typeface="+mj-cs"/>
+              </a:defRPr>
+            </a:lvl1pPr>
+            <a:lvl2pPr eaLnBrk="1" hangingPunct="1">
+              <a:defRPr>
+                <a:solidFill>
+                  <a:schemeClr val="tx2"/>
+                </a:solidFill>
+              </a:defRPr>
+            </a:lvl2pPr>
+            <a:lvl3pPr eaLnBrk="1" hangingPunct="1">
+              <a:defRPr>
+                <a:solidFill>
+                  <a:schemeClr val="tx2"/>
+                </a:solidFill>
+              </a:defRPr>
+            </a:lvl3pPr>
+            <a:lvl4pPr eaLnBrk="1" hangingPunct="1">
+              <a:defRPr>
+                <a:solidFill>
+                  <a:schemeClr val="tx2"/>
+                </a:solidFill>
+              </a:defRPr>
+            </a:lvl4pPr>
+            <a:lvl5pPr eaLnBrk="1" hangingPunct="1">
+              <a:defRPr>
+                <a:solidFill>
+                  <a:schemeClr val="tx2"/>
+                </a:solidFill>
+              </a:defRPr>
+            </a:lvl5pPr>
+            <a:lvl6pPr eaLnBrk="1" hangingPunct="1">
+              <a:defRPr>
+                <a:solidFill>
+                  <a:schemeClr val="tx2"/>
+                </a:solidFill>
+              </a:defRPr>
+            </a:lvl6pPr>
+            <a:lvl7pPr eaLnBrk="1" hangingPunct="1">
+              <a:defRPr>
+                <a:solidFill>
+                  <a:schemeClr val="tx2"/>
+                </a:solidFill>
+              </a:defRPr>
+            </a:lvl7pPr>
+            <a:lvl8pPr eaLnBrk="1" hangingPunct="1">
+              <a:defRPr>
+                <a:solidFill>
+                  <a:schemeClr val="tx2"/>
+                </a:solidFill>
+              </a:defRPr>
+            </a:lvl8pPr>
+            <a:lvl9pPr eaLnBrk="1" hangingPunct="1">
+              <a:defRPr>
+                <a:solidFill>
+                  <a:schemeClr val="tx2"/>
+                </a:solidFill>
+              </a:defRPr>
+            </a:lvl9pPr>
+          </a:lstStyle>
+          <a:p>
+            <a:r>
+              <a:rPr lang="en-US" altLang="zh-CN" dirty="0"/>
+              <a:t>Warehouse &amp; goods</a:t>
+            </a:r>
+            <a:endParaRPr lang="zh-CN" altLang="en-US" dirty="0"/>
+          </a:p>
+        </p:txBody>
+      </p:sp>
     </p:spTree>
     <p:extLst>
       <p:ext uri="{BB962C8B-B14F-4D97-AF65-F5344CB8AC3E}">
@@ -6323,10 +6536,10 @@
       </p:grpSpPr>
       <p:pic>
         <p:nvPicPr>
-          <p:cNvPr id="3" name="图片 2">
+          <p:cNvPr id="4" name="图片 3">
             <a:extLst>
               <a:ext uri="{FF2B5EF4-FFF2-40B4-BE49-F238E27FC236}">
-                <a16:creationId xmlns:a16="http://schemas.microsoft.com/office/drawing/2014/main" id="{5CED7E2D-9990-48B4-818F-F728858B0215}"/>
+                <a16:creationId xmlns:a16="http://schemas.microsoft.com/office/drawing/2014/main" id="{3F1D1F48-AB1B-49A5-9703-614922B46DCF}"/>
               </a:ext>
             </a:extLst>
           </p:cNvPr>
@@ -6343,44 +6556,148 @@
         </p:blipFill>
         <p:spPr>
           <a:xfrm>
-            <a:off x="1544714" y="1447031"/>
-            <a:ext cx="4331195" cy="3870693"/>
+            <a:off x="880352" y="1473694"/>
+            <a:ext cx="10431296" cy="4395831"/>
           </a:xfrm>
           <a:prstGeom prst="rect">
             <a:avLst/>
           </a:prstGeom>
         </p:spPr>
       </p:pic>
-      <p:pic>
-        <p:nvPicPr>
-          <p:cNvPr id="5" name="图片 4">
+      <p:sp>
+        <p:nvSpPr>
+          <p:cNvPr id="6" name="标题 1">
             <a:extLst>
               <a:ext uri="{FF2B5EF4-FFF2-40B4-BE49-F238E27FC236}">
-                <a16:creationId xmlns:a16="http://schemas.microsoft.com/office/drawing/2014/main" id="{344D69CD-3810-4F47-9B08-29BC3054E310}"/>
+                <a16:creationId xmlns:a16="http://schemas.microsoft.com/office/drawing/2014/main" id="{D13CD51E-9222-4C7F-A258-CC226D04771A}"/>
               </a:ext>
             </a:extLst>
           </p:cNvPr>
-          <p:cNvPicPr>
-            <a:picLocks noChangeAspect="1"/>
-          </p:cNvPicPr>
+          <p:cNvSpPr txBox="1">
+            <a:spLocks/>
+          </p:cNvSpPr>
           <p:nvPr/>
-        </p:nvPicPr>
-        <p:blipFill>
-          <a:blip r:embed="rId3"/>
-          <a:stretch>
-            <a:fillRect/>
-          </a:stretch>
-        </p:blipFill>
+        </p:nvSpPr>
         <p:spPr>
           <a:xfrm>
-            <a:off x="6417009" y="1801910"/>
-            <a:ext cx="2549437" cy="2740645"/>
+            <a:off x="741918" y="613024"/>
+            <a:ext cx="9905998" cy="1905000"/>
           </a:xfrm>
           <a:prstGeom prst="rect">
             <a:avLst/>
           </a:prstGeom>
         </p:spPr>
-      </p:pic>
+        <p:txBody>
+          <a:bodyPr/>
+          <a:lstStyle>
+            <a:lvl1pPr algn="l" defTabSz="457200" rtl="0" eaLnBrk="1" latinLnBrk="0" hangingPunct="1">
+              <a:spcBef>
+                <a:spcPct val="0"/>
+              </a:spcBef>
+              <a:buNone/>
+              <a:defRPr sz="3200" kern="1200" cap="all">
+                <a:ln w="3175" cmpd="sng">
+                  <a:noFill/>
+                </a:ln>
+                <a:gradFill flip="none" rotWithShape="1">
+                  <a:gsLst>
+                    <a:gs pos="0">
+                      <a:schemeClr val="tx1"/>
+                    </a:gs>
+                    <a:gs pos="100000">
+                      <a:schemeClr val="tx1">
+                        <a:lumMod val="65000"/>
+                      </a:schemeClr>
+                    </a:gs>
+                  </a:gsLst>
+                  <a:lin ang="5580000" scaled="0"/>
+                  <a:tileRect/>
+                </a:gradFill>
+                <a:effectLst>
+                  <a:glow rad="38100">
+                    <a:schemeClr val="bg1">
+                      <a:lumMod val="65000"/>
+                      <a:lumOff val="35000"/>
+                      <a:alpha val="40000"/>
+                    </a:schemeClr>
+                  </a:glow>
+                  <a:outerShdw blurRad="28575" dist="38100" dir="14040000" algn="tl" rotWithShape="0">
+                    <a:srgbClr val="000000">
+                      <a:alpha val="25000"/>
+                    </a:srgbClr>
+                  </a:outerShdw>
+                </a:effectLst>
+                <a:latin typeface="+mj-lt"/>
+                <a:ea typeface="+mj-ea"/>
+                <a:cs typeface="+mj-cs"/>
+              </a:defRPr>
+            </a:lvl1pPr>
+            <a:lvl2pPr eaLnBrk="1" hangingPunct="1">
+              <a:defRPr>
+                <a:solidFill>
+                  <a:schemeClr val="tx2"/>
+                </a:solidFill>
+              </a:defRPr>
+            </a:lvl2pPr>
+            <a:lvl3pPr eaLnBrk="1" hangingPunct="1">
+              <a:defRPr>
+                <a:solidFill>
+                  <a:schemeClr val="tx2"/>
+                </a:solidFill>
+              </a:defRPr>
+            </a:lvl3pPr>
+            <a:lvl4pPr eaLnBrk="1" hangingPunct="1">
+              <a:defRPr>
+                <a:solidFill>
+                  <a:schemeClr val="tx2"/>
+                </a:solidFill>
+              </a:defRPr>
+            </a:lvl4pPr>
+            <a:lvl5pPr eaLnBrk="1" hangingPunct="1">
+              <a:defRPr>
+                <a:solidFill>
+                  <a:schemeClr val="tx2"/>
+                </a:solidFill>
+              </a:defRPr>
+            </a:lvl5pPr>
+            <a:lvl6pPr eaLnBrk="1" hangingPunct="1">
+              <a:defRPr>
+                <a:solidFill>
+                  <a:schemeClr val="tx2"/>
+                </a:solidFill>
+              </a:defRPr>
+            </a:lvl6pPr>
+            <a:lvl7pPr eaLnBrk="1" hangingPunct="1">
+              <a:defRPr>
+                <a:solidFill>
+                  <a:schemeClr val="tx2"/>
+                </a:solidFill>
+              </a:defRPr>
+            </a:lvl7pPr>
+            <a:lvl8pPr eaLnBrk="1" hangingPunct="1">
+              <a:defRPr>
+                <a:solidFill>
+                  <a:schemeClr val="tx2"/>
+                </a:solidFill>
+              </a:defRPr>
+            </a:lvl8pPr>
+            <a:lvl9pPr eaLnBrk="1" hangingPunct="1">
+              <a:defRPr>
+                <a:solidFill>
+                  <a:schemeClr val="tx2"/>
+                </a:solidFill>
+              </a:defRPr>
+            </a:lvl9pPr>
+          </a:lstStyle>
+          <a:p>
+            <a:r>
+              <a:rPr lang="en-US" altLang="zh-CN" dirty="0"/>
+              <a:t>Shopping &amp; delivering</a:t>
+            </a:r>
+            <a:endParaRPr lang="zh-CN" altLang="en-US" dirty="0"/>
+          </a:p>
+        </p:txBody>
+      </p:sp>
     </p:spTree>
     <p:extLst>
       <p:ext uri="{BB962C8B-B14F-4D97-AF65-F5344CB8AC3E}">
@@ -6466,8 +6783,8 @@
         </p:blipFill>
         <p:spPr>
           <a:xfrm>
-            <a:off x="3272284" y="3705111"/>
-            <a:ext cx="1770389" cy="2239748"/>
+            <a:off x="2911936" y="3249227"/>
+            <a:ext cx="2130738" cy="2695632"/>
           </a:xfrm>
           <a:prstGeom prst="rect">
             <a:avLst/>
@@ -6496,8 +6813,8 @@
         </p:blipFill>
         <p:spPr>
           <a:xfrm>
-            <a:off x="8194091" y="4145280"/>
-            <a:ext cx="1672549" cy="1516633"/>
+            <a:off x="8291586" y="3647319"/>
+            <a:ext cx="2512538" cy="2278317"/>
           </a:xfrm>
           <a:prstGeom prst="rect">
             <a:avLst/>
@@ -8391,10 +8708,10 @@
       </p:grpSpPr>
       <p:pic>
         <p:nvPicPr>
-          <p:cNvPr id="5" name="图片 4">
+          <p:cNvPr id="6" name="图片 5">
             <a:extLst>
               <a:ext uri="{FF2B5EF4-FFF2-40B4-BE49-F238E27FC236}">
-                <a16:creationId xmlns:a16="http://schemas.microsoft.com/office/drawing/2014/main" id="{A1DC7C28-5442-48F0-82CC-717BC85549C2}"/>
+                <a16:creationId xmlns:a16="http://schemas.microsoft.com/office/drawing/2014/main" id="{8741F64A-E3DB-4BC2-8FDB-B4CFA3FE9D7E}"/>
               </a:ext>
             </a:extLst>
           </p:cNvPr>
@@ -8411,134 +8728,48 @@
         </p:blipFill>
         <p:spPr>
           <a:xfrm>
-            <a:off x="1371781" y="1511924"/>
-            <a:ext cx="2898377" cy="2409040"/>
+            <a:off x="4030463" y="598095"/>
+            <a:ext cx="7376154" cy="5443159"/>
           </a:xfrm>
           <a:prstGeom prst="rect">
             <a:avLst/>
           </a:prstGeom>
         </p:spPr>
       </p:pic>
-      <p:pic>
-        <p:nvPicPr>
-          <p:cNvPr id="7" name="图片 6">
+      <p:sp>
+        <p:nvSpPr>
+          <p:cNvPr id="12" name="标题 1">
             <a:extLst>
               <a:ext uri="{FF2B5EF4-FFF2-40B4-BE49-F238E27FC236}">
-                <a16:creationId xmlns:a16="http://schemas.microsoft.com/office/drawing/2014/main" id="{4FE05732-9049-4318-921C-3E1B5476BAF5}"/>
+                <a16:creationId xmlns:a16="http://schemas.microsoft.com/office/drawing/2014/main" id="{367EDFF4-C014-466F-BC8C-7A26818B970A}"/>
               </a:ext>
             </a:extLst>
           </p:cNvPr>
-          <p:cNvPicPr>
-            <a:picLocks noChangeAspect="1"/>
-          </p:cNvPicPr>
-          <p:nvPr/>
-        </p:nvPicPr>
-        <p:blipFill>
-          <a:blip r:embed="rId3"/>
-          <a:stretch>
-            <a:fillRect/>
-          </a:stretch>
-        </p:blipFill>
+          <p:cNvSpPr>
+            <a:spLocks noGrp="1"/>
+          </p:cNvSpPr>
+          <p:nvPr>
+            <p:ph type="title"/>
+          </p:nvPr>
+        </p:nvSpPr>
         <p:spPr>
           <a:xfrm>
-            <a:off x="7313261" y="302496"/>
-            <a:ext cx="2727384" cy="1555620"/>
+            <a:off x="324667" y="147962"/>
+            <a:ext cx="9905998" cy="1905000"/>
           </a:xfrm>
-          <a:prstGeom prst="rect">
-            <a:avLst/>
-          </a:prstGeom>
         </p:spPr>
-      </p:pic>
-      <p:pic>
-        <p:nvPicPr>
-          <p:cNvPr id="9" name="图片 8">
-            <a:extLst>
-              <a:ext uri="{FF2B5EF4-FFF2-40B4-BE49-F238E27FC236}">
-                <a16:creationId xmlns:a16="http://schemas.microsoft.com/office/drawing/2014/main" id="{6611AD35-01F6-4536-993E-B4CBF9638E58}"/>
-              </a:ext>
-            </a:extLst>
-          </p:cNvPr>
-          <p:cNvPicPr>
-            <a:picLocks noChangeAspect="1"/>
-          </p:cNvPicPr>
-          <p:nvPr/>
-        </p:nvPicPr>
-        <p:blipFill>
-          <a:blip r:embed="rId4"/>
-          <a:stretch>
-            <a:fillRect/>
-          </a:stretch>
-        </p:blipFill>
-        <p:spPr>
-          <a:xfrm>
-            <a:off x="7313261" y="2240169"/>
-            <a:ext cx="2351241" cy="1679458"/>
-          </a:xfrm>
-          <a:prstGeom prst="rect">
-            <a:avLst/>
-          </a:prstGeom>
-        </p:spPr>
-      </p:pic>
-      <p:pic>
-        <p:nvPicPr>
-          <p:cNvPr id="11" name="图片 10">
-            <a:extLst>
-              <a:ext uri="{FF2B5EF4-FFF2-40B4-BE49-F238E27FC236}">
-                <a16:creationId xmlns:a16="http://schemas.microsoft.com/office/drawing/2014/main" id="{D18FBFF5-BED1-4FE6-AAC6-F58242B9371E}"/>
-              </a:ext>
-            </a:extLst>
-          </p:cNvPr>
-          <p:cNvPicPr>
-            <a:picLocks noChangeAspect="1"/>
-          </p:cNvPicPr>
-          <p:nvPr/>
-        </p:nvPicPr>
-        <p:blipFill>
-          <a:blip r:embed="rId5"/>
-          <a:stretch>
-            <a:fillRect/>
-          </a:stretch>
-        </p:blipFill>
-        <p:spPr>
-          <a:xfrm>
-            <a:off x="7055808" y="4301680"/>
-            <a:ext cx="2366205" cy="1363926"/>
-          </a:xfrm>
-          <a:prstGeom prst="rect">
-            <a:avLst/>
-          </a:prstGeom>
-        </p:spPr>
-      </p:pic>
-      <p:pic>
-        <p:nvPicPr>
-          <p:cNvPr id="13" name="图片 12">
-            <a:extLst>
-              <a:ext uri="{FF2B5EF4-FFF2-40B4-BE49-F238E27FC236}">
-                <a16:creationId xmlns:a16="http://schemas.microsoft.com/office/drawing/2014/main" id="{5F49D801-F9C0-40FF-B263-5F2EF8B16BF2}"/>
-              </a:ext>
-            </a:extLst>
-          </p:cNvPr>
-          <p:cNvPicPr>
-            <a:picLocks noChangeAspect="1"/>
-          </p:cNvPicPr>
-          <p:nvPr/>
-        </p:nvPicPr>
-        <p:blipFill>
-          <a:blip r:embed="rId6"/>
-          <a:stretch>
-            <a:fillRect/>
-          </a:stretch>
-        </p:blipFill>
-        <p:spPr>
-          <a:xfrm>
-            <a:off x="3707906" y="4682826"/>
-            <a:ext cx="2503503" cy="1965560"/>
-          </a:xfrm>
-          <a:prstGeom prst="rect">
-            <a:avLst/>
-          </a:prstGeom>
-        </p:spPr>
-      </p:pic>
+        <p:txBody>
+          <a:bodyPr/>
+          <a:lstStyle/>
+          <a:p>
+            <a:r>
+              <a:rPr lang="en-US" altLang="zh-CN" dirty="0"/>
+              <a:t>different users</a:t>
+            </a:r>
+            <a:endParaRPr lang="zh-CN" altLang="en-US" dirty="0"/>
+          </a:p>
+        </p:txBody>
+      </p:sp>
     </p:spTree>
     <p:extLst>
       <p:ext uri="{BB962C8B-B14F-4D97-AF65-F5344CB8AC3E}">
